--- a/2023/关于数字能源的汇报材料1.0.pptx
+++ b/2023/关于数字能源的汇报材料1.0.pptx
@@ -221,7 +221,7 @@
           <a:p>
             <a:fld id="{DFD6FEEB-E1DF-4A27-84CE-FEAB69D6522A}" type="datetimeFigureOut">
               <a:rPr lang="zh-CN" altLang="en-US" smtClean="0"/>
-              <a:t>2023/2/6</a:t>
+              <a:t>2023/3/10</a:t>
             </a:fld>
             <a:endParaRPr lang="zh-CN" altLang="en-US"/>
           </a:p>
@@ -1541,7 +1541,7 @@
           <a:p>
             <a:fld id="{9166FB0D-3649-4659-A4EA-16B622D04D18}" type="datetimeFigureOut">
               <a:rPr lang="zh-CN" altLang="en-US" smtClean="0"/>
-              <a:t>2023/2/6</a:t>
+              <a:t>2023/3/10</a:t>
             </a:fld>
             <a:endParaRPr lang="zh-CN" altLang="en-US"/>
           </a:p>
@@ -1721,7 +1721,7 @@
           <a:p>
             <a:fld id="{9166FB0D-3649-4659-A4EA-16B622D04D18}" type="datetimeFigureOut">
               <a:rPr lang="zh-CN" altLang="en-US" smtClean="0"/>
-              <a:t>2023/2/6</a:t>
+              <a:t>2023/3/10</a:t>
             </a:fld>
             <a:endParaRPr lang="zh-CN" altLang="en-US"/>
           </a:p>
@@ -1911,7 +1911,7 @@
           <a:p>
             <a:fld id="{9166FB0D-3649-4659-A4EA-16B622D04D18}" type="datetimeFigureOut">
               <a:rPr lang="zh-CN" altLang="en-US" smtClean="0"/>
-              <a:t>2023/2/6</a:t>
+              <a:t>2023/3/10</a:t>
             </a:fld>
             <a:endParaRPr lang="zh-CN" altLang="en-US"/>
           </a:p>
@@ -2091,7 +2091,7 @@
           <a:p>
             <a:fld id="{9166FB0D-3649-4659-A4EA-16B622D04D18}" type="datetimeFigureOut">
               <a:rPr lang="zh-CN" altLang="en-US" smtClean="0"/>
-              <a:t>2023/2/6</a:t>
+              <a:t>2023/3/10</a:t>
             </a:fld>
             <a:endParaRPr lang="zh-CN" altLang="en-US"/>
           </a:p>
@@ -2348,7 +2348,7 @@
           <a:p>
             <a:fld id="{9166FB0D-3649-4659-A4EA-16B622D04D18}" type="datetimeFigureOut">
               <a:rPr lang="zh-CN" altLang="en-US" smtClean="0"/>
-              <a:t>2023/2/6</a:t>
+              <a:t>2023/3/10</a:t>
             </a:fld>
             <a:endParaRPr lang="zh-CN" altLang="en-US"/>
           </a:p>
@@ -2589,7 +2589,7 @@
           <a:p>
             <a:fld id="{9166FB0D-3649-4659-A4EA-16B622D04D18}" type="datetimeFigureOut">
               <a:rPr lang="zh-CN" altLang="en-US" smtClean="0"/>
-              <a:t>2023/2/6</a:t>
+              <a:t>2023/3/10</a:t>
             </a:fld>
             <a:endParaRPr lang="zh-CN" altLang="en-US"/>
           </a:p>
@@ -3434,7 +3434,7 @@
           <a:p>
             <a:fld id="{9166FB0D-3649-4659-A4EA-16B622D04D18}" type="datetimeFigureOut">
               <a:rPr lang="zh-CN" altLang="en-US" smtClean="0"/>
-              <a:t>2023/2/6</a:t>
+              <a:t>2023/3/10</a:t>
             </a:fld>
             <a:endParaRPr lang="zh-CN" altLang="en-US"/>
           </a:p>
@@ -3563,7 +3563,7 @@
           <a:p>
             <a:fld id="{9166FB0D-3649-4659-A4EA-16B622D04D18}" type="datetimeFigureOut">
               <a:rPr lang="zh-CN" altLang="en-US" smtClean="0"/>
-              <a:t>2023/2/6</a:t>
+              <a:t>2023/3/10</a:t>
             </a:fld>
             <a:endParaRPr lang="zh-CN" altLang="en-US"/>
           </a:p>
@@ -3670,7 +3670,7 @@
           <a:p>
             <a:fld id="{9166FB0D-3649-4659-A4EA-16B622D04D18}" type="datetimeFigureOut">
               <a:rPr lang="zh-CN" altLang="en-US" smtClean="0"/>
-              <a:t>2023/2/6</a:t>
+              <a:t>2023/3/10</a:t>
             </a:fld>
             <a:endParaRPr lang="zh-CN" altLang="en-US"/>
           </a:p>
@@ -3957,7 +3957,7 @@
           <a:p>
             <a:fld id="{9166FB0D-3649-4659-A4EA-16B622D04D18}" type="datetimeFigureOut">
               <a:rPr lang="zh-CN" altLang="en-US" smtClean="0"/>
-              <a:t>2023/2/6</a:t>
+              <a:t>2023/3/10</a:t>
             </a:fld>
             <a:endParaRPr lang="zh-CN" altLang="en-US"/>
           </a:p>
@@ -4221,7 +4221,7 @@
           <a:p>
             <a:fld id="{9166FB0D-3649-4659-A4EA-16B622D04D18}" type="datetimeFigureOut">
               <a:rPr lang="zh-CN" altLang="en-US" smtClean="0"/>
-              <a:t>2023/2/6</a:t>
+              <a:t>2023/3/10</a:t>
             </a:fld>
             <a:endParaRPr lang="zh-CN" altLang="en-US"/>
           </a:p>
@@ -4449,7 +4449,7 @@
             <a:fld id="{9166FB0D-3649-4659-A4EA-16B622D04D18}" type="datetimeFigureOut">
               <a:rPr lang="zh-CN" altLang="en-US" smtClean="0"/>
               <a:pPr/>
-              <a:t>2023/2/6</a:t>
+              <a:t>2023/3/10</a:t>
             </a:fld>
             <a:endParaRPr lang="zh-CN" altLang="en-US" dirty="0"/>
           </a:p>
@@ -9751,7 +9751,7 @@
         <p:spPr>
           <a:xfrm>
             <a:off x="792325" y="1355191"/>
-            <a:ext cx="6715422" cy="4906408"/>
+            <a:ext cx="6715422" cy="4582216"/>
           </a:xfrm>
           <a:prstGeom prst="rect">
             <a:avLst/>
@@ -10305,30 +10305,6 @@
               </a:rPr>
               <a:t>、低碳化、高端化。</a:t>
             </a:r>
-            <a:endParaRPr lang="en-US" altLang="zh-CN" sz="1400" dirty="0">
-              <a:solidFill>
-                <a:schemeClr val="tx1">
-                  <a:lumMod val="65000"/>
-                  <a:lumOff val="35000"/>
-                </a:schemeClr>
-              </a:solidFill>
-              <a:ea typeface="微软雅黑" panose="020B0503020204020204" pitchFamily="34" charset="-122"/>
-              <a:cs typeface="+mn-ea"/>
-              <a:sym typeface="+mn-lt"/>
-            </a:endParaRPr>
-          </a:p>
-          <a:p>
-            <a:pPr indent="360000" algn="just" fontAlgn="base">
-              <a:lnSpc>
-                <a:spcPct val="150000"/>
-              </a:lnSpc>
-              <a:spcBef>
-                <a:spcPct val="0"/>
-              </a:spcBef>
-              <a:spcAft>
-                <a:spcPct val="0"/>
-              </a:spcAft>
-            </a:pPr>
             <a:endParaRPr lang="en-US" altLang="zh-CN" sz="1400" dirty="0">
               <a:solidFill>
                 <a:schemeClr val="tx1">
